--- a/File power point/NguyenHoangPhuTien_NguyenTrongThuan_HandlingExceptions.pptx
+++ b/File power point/NguyenHoangPhuTien_NguyenTrongThuan_HandlingExceptions.pptx
@@ -118,7 +118,7 @@
   </p:defaultTextStyle>
   <p:extLst>
     <p:ext uri="{EFAFB233-063F-42B5-8137-9DF3F51BA10A}">
-      <p15:sldGuideLst xmlns="" xmlns:p15="http://schemas.microsoft.com/office/powerpoint/2012/main"/>
+      <p15:sldGuideLst xmlns:p15="http://schemas.microsoft.com/office/powerpoint/2012/main" xmlns=""/>
     </p:ext>
   </p:extLst>
 </p:presentation>
@@ -129,7 +129,7 @@
   <p:cmAuthor id="1" name="Trọng Thuận Nguyễn" initials="TTN" lastIdx="2" clrIdx="0">
     <p:extLst>
       <p:ext uri="{19B8F6BF-5375-455C-9EA6-DF929625EA0E}">
-        <p15:presenceInfo xmlns="" xmlns:p15="http://schemas.microsoft.com/office/powerpoint/2012/main" userId="6a286b0a0d20ba5a" providerId="Windows Live"/>
+        <p15:presenceInfo xmlns:p15="http://schemas.microsoft.com/office/powerpoint/2012/main" xmlns="" userId="6a286b0a0d20ba5a" providerId="Windows Live"/>
       </p:ext>
     </p:extLst>
   </p:cmAuthor>
@@ -8394,14 +8394,14 @@
           <p:nvPr>
             <p:extLst>
               <p:ext uri="{D42A27DB-BD31-4B8C-83A1-F6EECF244321}">
-                <p14:modId xmlns:p14="http://schemas.microsoft.com/office/powerpoint/2010/main" val="2404067108"/>
+                <p14:modId xmlns:p14="http://schemas.microsoft.com/office/powerpoint/2010/main" val="4083643897"/>
               </p:ext>
             </p:extLst>
           </p:nvPr>
         </p:nvGraphicFramePr>
         <p:xfrm>
           <a:off x="1176214" y="1411328"/>
-          <a:ext cx="8128000" cy="2525216"/>
+          <a:ext cx="8128000" cy="3165296"/>
         </p:xfrm>
         <a:graphic>
           <a:graphicData uri="http://schemas.openxmlformats.org/drawingml/2006/table">
@@ -8968,6 +8968,144 @@
                       <a:r>
                         <a:rPr lang="en-US" baseline="0" dirty="0" smtClean="0"/>
                         <a:t>.</a:t>
+                      </a:r>
+                      <a:endParaRPr lang="en-US" dirty="0"/>
+                    </a:p>
+                  </a:txBody>
+                  <a:tcPr/>
+                </a:tc>
+              </a:tr>
+              <a:tr h="485368">
+                <a:tc>
+                  <a:txBody>
+                    <a:bodyPr/>
+                    <a:lstStyle/>
+                    <a:p>
+                      <a:r>
+                        <a:rPr lang="en-US" dirty="0" err="1" smtClean="0"/>
+                        <a:t>Không</a:t>
+                      </a:r>
+                      <a:r>
+                        <a:rPr lang="en-US" baseline="0" dirty="0" smtClean="0"/>
+                        <a:t> </a:t>
+                      </a:r>
+                      <a:r>
+                        <a:rPr lang="en-US" baseline="0" dirty="0" err="1" smtClean="0"/>
+                        <a:t>bắt</a:t>
+                      </a:r>
+                      <a:r>
+                        <a:rPr lang="en-US" baseline="0" dirty="0" smtClean="0"/>
+                        <a:t> </a:t>
+                      </a:r>
+                      <a:r>
+                        <a:rPr lang="en-US" baseline="0" dirty="0" err="1" smtClean="0"/>
+                        <a:t>buộc</a:t>
+                      </a:r>
+                      <a:r>
+                        <a:rPr lang="en-US" baseline="0" dirty="0" smtClean="0"/>
+                        <a:t> </a:t>
+                      </a:r>
+                      <a:r>
+                        <a:rPr lang="en-US" baseline="0" dirty="0" err="1" smtClean="0"/>
+                        <a:t>phải</a:t>
+                      </a:r>
+                      <a:r>
+                        <a:rPr lang="en-US" baseline="0" dirty="0" smtClean="0"/>
+                        <a:t> override </a:t>
+                      </a:r>
+                      <a:r>
+                        <a:rPr lang="en-US" baseline="0" dirty="0" err="1" smtClean="0"/>
+                        <a:t>các</a:t>
+                      </a:r>
+                      <a:r>
+                        <a:rPr lang="en-US" baseline="0" dirty="0" smtClean="0"/>
+                        <a:t> </a:t>
+                      </a:r>
+                      <a:r>
+                        <a:rPr lang="en-US" baseline="0" dirty="0" err="1" smtClean="0"/>
+                        <a:t>phương</a:t>
+                      </a:r>
+                      <a:r>
+                        <a:rPr lang="en-US" baseline="0" dirty="0" smtClean="0"/>
+                        <a:t> </a:t>
+                      </a:r>
+                      <a:r>
+                        <a:rPr lang="en-US" baseline="0" dirty="0" err="1" smtClean="0"/>
+                        <a:t>thức</a:t>
+                      </a:r>
+                      <a:endParaRPr lang="en-US" dirty="0"/>
+                    </a:p>
+                  </a:txBody>
+                  <a:tcPr/>
+                </a:tc>
+                <a:tc>
+                  <a:txBody>
+                    <a:bodyPr/>
+                    <a:lstStyle/>
+                    <a:p>
+                      <a:r>
+                        <a:rPr lang="en-US" dirty="0" err="1" smtClean="0"/>
+                        <a:t>Bắt</a:t>
+                      </a:r>
+                      <a:r>
+                        <a:rPr lang="en-US" baseline="0" dirty="0" smtClean="0"/>
+                        <a:t> </a:t>
+                      </a:r>
+                      <a:r>
+                        <a:rPr lang="en-US" baseline="0" dirty="0" err="1" smtClean="0"/>
+                        <a:t>buộc</a:t>
+                      </a:r>
+                      <a:r>
+                        <a:rPr lang="en-US" baseline="0" dirty="0" smtClean="0"/>
+                        <a:t> </a:t>
+                      </a:r>
+                      <a:r>
+                        <a:rPr lang="en-US" baseline="0" dirty="0" err="1" smtClean="0"/>
+                        <a:t>phải</a:t>
+                      </a:r>
+                      <a:r>
+                        <a:rPr lang="en-US" baseline="0" dirty="0" smtClean="0"/>
+                        <a:t> override </a:t>
+                      </a:r>
+                      <a:r>
+                        <a:rPr lang="en-US" baseline="0" dirty="0" err="1" smtClean="0"/>
+                        <a:t>tất</a:t>
+                      </a:r>
+                      <a:r>
+                        <a:rPr lang="en-US" baseline="0" dirty="0" smtClean="0"/>
+                        <a:t> </a:t>
+                      </a:r>
+                      <a:r>
+                        <a:rPr lang="en-US" baseline="0" dirty="0" err="1" smtClean="0"/>
+                        <a:t>cả</a:t>
+                      </a:r>
+                      <a:r>
+                        <a:rPr lang="en-US" baseline="0" dirty="0" smtClean="0"/>
+                        <a:t> </a:t>
+                      </a:r>
+                      <a:r>
+                        <a:rPr lang="en-US" baseline="0" dirty="0" err="1" smtClean="0"/>
+                        <a:t>các</a:t>
+                      </a:r>
+                      <a:r>
+                        <a:rPr lang="en-US" baseline="0" dirty="0" smtClean="0"/>
+                        <a:t> </a:t>
+                      </a:r>
+                      <a:r>
+                        <a:rPr lang="en-US" baseline="0" dirty="0" err="1" smtClean="0"/>
+                        <a:t>phương</a:t>
+                      </a:r>
+                      <a:r>
+                        <a:rPr lang="en-US" baseline="0" dirty="0" smtClean="0"/>
+                        <a:t> </a:t>
+                      </a:r>
+                      <a:r>
+                        <a:rPr lang="en-US" baseline="0" dirty="0" err="1" smtClean="0"/>
+                        <a:t>thức</a:t>
+                      </a:r>
+                      <a:r>
+                        <a:rPr lang="en-US" baseline="0" dirty="0" smtClean="0"/>
+                        <a:t> abstract</a:t>
                       </a:r>
                       <a:endParaRPr lang="en-US" dirty="0"/>
                     </a:p>
@@ -10300,7 +10438,7 @@
   <a:extraClrSchemeLst/>
   <a:extLst>
     <a:ext uri="{05A4C25C-085E-4340-85A3-A5531E510DB2}">
-      <thm15:themeFamily xmlns="" xmlns:thm15="http://schemas.microsoft.com/office/thememl/2012/main" name="Office Theme" id="{62F939B6-93AF-4DB8-9C6B-D6C7DFDC589F}" vid="{4A3C46E8-61CC-4603-A589-7422A47A8E4A}"/>
+      <thm15:themeFamily xmlns:thm15="http://schemas.microsoft.com/office/thememl/2012/main" xmlns="" name="Office Theme" id="{62F939B6-93AF-4DB8-9C6B-D6C7DFDC589F}" vid="{4A3C46E8-61CC-4603-A589-7422A47A8E4A}"/>
     </a:ext>
   </a:extLst>
 </a:theme>
@@ -10561,7 +10699,7 @@
   <a:extraClrSchemeLst/>
   <a:extLst>
     <a:ext uri="{05A4C25C-085E-4340-85A3-A5531E510DB2}">
-      <thm15:themeFamily xmlns="" xmlns:thm15="http://schemas.microsoft.com/office/thememl/2012/main" name="Office Theme" id="{62F939B6-93AF-4DB8-9C6B-D6C7DFDC589F}" vid="{4A3C46E8-61CC-4603-A589-7422A47A8E4A}"/>
+      <thm15:themeFamily xmlns:thm15="http://schemas.microsoft.com/office/thememl/2012/main" xmlns="" name="Office Theme" id="{62F939B6-93AF-4DB8-9C6B-D6C7DFDC589F}" vid="{4A3C46E8-61CC-4603-A589-7422A47A8E4A}"/>
     </a:ext>
   </a:extLst>
 </a:theme>
@@ -10856,7 +10994,7 @@
   <a:extraClrSchemeLst/>
   <a:extLst>
     <a:ext uri="{05A4C25C-085E-4340-85A3-A5531E510DB2}">
-      <thm15:themeFamily xmlns="" xmlns:thm15="http://schemas.microsoft.com/office/thememl/2012/main" name="Office Theme" id="{62F939B6-93AF-4DB8-9C6B-D6C7DFDC589F}" vid="{4A3C46E8-61CC-4603-A589-7422A47A8E4A}"/>
+      <thm15:themeFamily xmlns:thm15="http://schemas.microsoft.com/office/thememl/2012/main" xmlns="" name="Office Theme" id="{62F939B6-93AF-4DB8-9C6B-D6C7DFDC589F}" vid="{4A3C46E8-61CC-4603-A589-7422A47A8E4A}"/>
     </a:ext>
   </a:extLst>
 </a:theme>
@@ -11151,7 +11289,7 @@
   <a:extraClrSchemeLst/>
   <a:extLst>
     <a:ext uri="{05A4C25C-085E-4340-85A3-A5531E510DB2}">
-      <thm15:themeFamily xmlns="" xmlns:thm15="http://schemas.microsoft.com/office/thememl/2012/main" name="Office Theme" id="{62F939B6-93AF-4DB8-9C6B-D6C7DFDC589F}" vid="{4A3C46E8-61CC-4603-A589-7422A47A8E4A}"/>
+      <thm15:themeFamily xmlns:thm15="http://schemas.microsoft.com/office/thememl/2012/main" xmlns="" name="Office Theme" id="{62F939B6-93AF-4DB8-9C6B-D6C7DFDC589F}" vid="{4A3C46E8-61CC-4603-A589-7422A47A8E4A}"/>
     </a:ext>
   </a:extLst>
 </a:theme>
